--- a/VEM, ESTA É A HORA.pptx
+++ b/VEM, ESTA É A HORA.pptx
@@ -311,7 +311,7 @@
             <a:fld id="{B61BEF0D-F0BB-DE4B-95CE-6DB70DBA9567}" type="datetimeFigureOut">
               <a:rPr lang="en-US" dirty="0"/>
               <a:pPr/>
-              <a:t>12/15/2021</a:t>
+              <a:t>4/3/2022</a:t>
             </a:fld>
             <a:endParaRPr lang="en-US" dirty="0"/>
           </a:p>
@@ -744,7 +744,7 @@
             <a:fld id="{B61BEF0D-F0BB-DE4B-95CE-6DB70DBA9567}" type="datetimeFigureOut">
               <a:rPr lang="en-US" dirty="0"/>
               <a:pPr/>
-              <a:t>12/15/2021</a:t>
+              <a:t>4/3/2022</a:t>
             </a:fld>
             <a:endParaRPr lang="en-US" dirty="0"/>
           </a:p>
@@ -991,7 +991,7 @@
             <a:fld id="{B61BEF0D-F0BB-DE4B-95CE-6DB70DBA9567}" type="datetimeFigureOut">
               <a:rPr lang="en-US" dirty="0"/>
               <a:pPr/>
-              <a:t>12/15/2021</a:t>
+              <a:t>4/3/2022</a:t>
             </a:fld>
             <a:endParaRPr lang="en-US" dirty="0"/>
           </a:p>
@@ -1296,7 +1296,7 @@
             <a:fld id="{B61BEF0D-F0BB-DE4B-95CE-6DB70DBA9567}" type="datetimeFigureOut">
               <a:rPr lang="en-US" dirty="0"/>
               <a:pPr/>
-              <a:t>12/15/2021</a:t>
+              <a:t>4/3/2022</a:t>
             </a:fld>
             <a:endParaRPr lang="en-US" dirty="0"/>
           </a:p>
@@ -1611,7 +1611,7 @@
             <a:fld id="{B61BEF0D-F0BB-DE4B-95CE-6DB70DBA9567}" type="datetimeFigureOut">
               <a:rPr lang="en-US" dirty="0"/>
               <a:pPr/>
-              <a:t>12/15/2021</a:t>
+              <a:t>4/3/2022</a:t>
             </a:fld>
             <a:endParaRPr lang="en-US" dirty="0"/>
           </a:p>
@@ -1910,7 +1910,7 @@
             <a:fld id="{B61BEF0D-F0BB-DE4B-95CE-6DB70DBA9567}" type="datetimeFigureOut">
               <a:rPr lang="en-US" dirty="0"/>
               <a:pPr/>
-              <a:t>12/15/2021</a:t>
+              <a:t>4/3/2022</a:t>
             </a:fld>
             <a:endParaRPr lang="en-US" dirty="0"/>
           </a:p>
@@ -2274,7 +2274,7 @@
             <a:fld id="{B61BEF0D-F0BB-DE4B-95CE-6DB70DBA9567}" type="datetimeFigureOut">
               <a:rPr lang="en-US" dirty="0"/>
               <a:pPr/>
-              <a:t>12/15/2021</a:t>
+              <a:t>4/3/2022</a:t>
             </a:fld>
             <a:endParaRPr lang="en-US" dirty="0"/>
           </a:p>
@@ -2445,7 +2445,7 @@
             <a:fld id="{B61BEF0D-F0BB-DE4B-95CE-6DB70DBA9567}" type="datetimeFigureOut">
               <a:rPr lang="en-US" dirty="0"/>
               <a:pPr/>
-              <a:t>12/15/2021</a:t>
+              <a:t>4/3/2022</a:t>
             </a:fld>
             <a:endParaRPr lang="en-US" dirty="0"/>
           </a:p>
@@ -2622,7 +2622,7 @@
             <a:fld id="{B61BEF0D-F0BB-DE4B-95CE-6DB70DBA9567}" type="datetimeFigureOut">
               <a:rPr lang="en-US" dirty="0"/>
               <a:pPr/>
-              <a:t>12/15/2021</a:t>
+              <a:t>4/3/2022</a:t>
             </a:fld>
             <a:endParaRPr lang="en-US" dirty="0"/>
           </a:p>
@@ -2789,7 +2789,7 @@
             <a:fld id="{B61BEF0D-F0BB-DE4B-95CE-6DB70DBA9567}" type="datetimeFigureOut">
               <a:rPr lang="en-US" dirty="0"/>
               <a:pPr/>
-              <a:t>12/15/2021</a:t>
+              <a:t>4/3/2022</a:t>
             </a:fld>
             <a:endParaRPr lang="en-US" dirty="0"/>
           </a:p>
@@ -3036,7 +3036,7 @@
             <a:fld id="{B61BEF0D-F0BB-DE4B-95CE-6DB70DBA9567}" type="datetimeFigureOut">
               <a:rPr lang="en-US" dirty="0"/>
               <a:pPr/>
-              <a:t>12/15/2021</a:t>
+              <a:t>4/3/2022</a:t>
             </a:fld>
             <a:endParaRPr lang="en-US" dirty="0"/>
           </a:p>
@@ -3269,7 +3269,7 @@
             <a:fld id="{B61BEF0D-F0BB-DE4B-95CE-6DB70DBA9567}" type="datetimeFigureOut">
               <a:rPr lang="en-US" dirty="0"/>
               <a:pPr/>
-              <a:t>12/15/2021</a:t>
+              <a:t>4/3/2022</a:t>
             </a:fld>
             <a:endParaRPr lang="en-US" dirty="0"/>
           </a:p>
@@ -3648,7 +3648,7 @@
             <a:fld id="{B61BEF0D-F0BB-DE4B-95CE-6DB70DBA9567}" type="datetimeFigureOut">
               <a:rPr lang="en-US" dirty="0"/>
               <a:pPr/>
-              <a:t>12/15/2021</a:t>
+              <a:t>4/3/2022</a:t>
             </a:fld>
             <a:endParaRPr lang="en-US" dirty="0"/>
           </a:p>
@@ -3763,7 +3763,7 @@
             <a:fld id="{B61BEF0D-F0BB-DE4B-95CE-6DB70DBA9567}" type="datetimeFigureOut">
               <a:rPr lang="en-US" dirty="0"/>
               <a:pPr/>
-              <a:t>12/15/2021</a:t>
+              <a:t>4/3/2022</a:t>
             </a:fld>
             <a:endParaRPr lang="en-US" dirty="0"/>
           </a:p>
@@ -3855,7 +3855,7 @@
             <a:fld id="{B61BEF0D-F0BB-DE4B-95CE-6DB70DBA9567}" type="datetimeFigureOut">
               <a:rPr lang="en-US" dirty="0"/>
               <a:pPr/>
-              <a:t>12/15/2021</a:t>
+              <a:t>4/3/2022</a:t>
             </a:fld>
             <a:endParaRPr lang="en-US" dirty="0"/>
           </a:p>
@@ -4107,7 +4107,7 @@
             <a:fld id="{B61BEF0D-F0BB-DE4B-95CE-6DB70DBA9567}" type="datetimeFigureOut">
               <a:rPr lang="en-US" dirty="0"/>
               <a:pPr/>
-              <a:t>12/15/2021</a:t>
+              <a:t>4/3/2022</a:t>
             </a:fld>
             <a:endParaRPr lang="en-US" dirty="0"/>
           </a:p>
@@ -4387,7 +4387,7 @@
             <a:fld id="{B61BEF0D-F0BB-DE4B-95CE-6DB70DBA9567}" type="datetimeFigureOut">
               <a:rPr lang="en-US" dirty="0"/>
               <a:pPr/>
-              <a:t>12/15/2021</a:t>
+              <a:t>4/3/2022</a:t>
             </a:fld>
             <a:endParaRPr lang="en-US" dirty="0"/>
           </a:p>
@@ -4790,7 +4790,7 @@
             <a:fld id="{B61BEF0D-F0BB-DE4B-95CE-6DB70DBA9567}" type="datetimeFigureOut">
               <a:rPr lang="en-US" dirty="0"/>
               <a:pPr/>
-              <a:t>12/15/2021</a:t>
+              <a:t>4/3/2022</a:t>
             </a:fld>
             <a:endParaRPr lang="en-US" dirty="0"/>
           </a:p>
@@ -5347,24 +5347,46 @@
         </p:nvSpPr>
         <p:spPr>
           <a:xfrm>
-            <a:off x="1419369" y="0"/>
-            <a:ext cx="10465458" cy="4517266"/>
+            <a:off x="685800" y="952500"/>
+            <a:ext cx="11404600" cy="4800600"/>
           </a:xfrm>
         </p:spPr>
         <p:txBody>
-          <a:bodyPr/>
+          <a:bodyPr>
+            <a:normAutofit/>
+          </a:bodyPr>
           <a:lstStyle/>
           <a:p>
             <a:pPr algn="r"/>
             <a:r>
-              <a:rPr lang="pt-BR" sz="8800" b="1" cap="none" dirty="0">
+              <a:rPr lang="pt-BR" sz="8800" b="1" cap="none" smtClean="0">
                 <a:solidFill>
                   <a:schemeClr val="bg1"/>
                 </a:solidFill>
                 <a:latin typeface="Arial Black" panose="020B0A04020102090204" pitchFamily="34" charset="0"/>
                 <a:cs typeface="Aharoni" panose="02010803020104030203" pitchFamily="2" charset="-79"/>
               </a:rPr>
-              <a:t>VEM, ESTA É A HORA</a:t>
+              <a:t>VEM</a:t>
+            </a:r>
+            <a:r>
+              <a:rPr lang="pt-BR" sz="8800" b="1" cap="none" dirty="0">
+                <a:solidFill>
+                  <a:schemeClr val="bg1"/>
+                </a:solidFill>
+                <a:latin typeface="Arial Black" panose="020B0A04020102090204" pitchFamily="34" charset="0"/>
+                <a:cs typeface="Aharoni" panose="02010803020104030203" pitchFamily="2" charset="-79"/>
+              </a:rPr>
+              <a:t>, ESTA É </a:t>
+            </a:r>
+            <a:r>
+              <a:rPr lang="pt-BR" sz="8800" b="1" cap="none" dirty="0" smtClean="0">
+                <a:solidFill>
+                  <a:schemeClr val="bg1"/>
+                </a:solidFill>
+                <a:latin typeface="Arial Black" panose="020B0A04020102090204" pitchFamily="34" charset="0"/>
+                <a:cs typeface="Aharoni" panose="02010803020104030203" pitchFamily="2" charset="-79"/>
+              </a:rPr>
+              <a:t>A HORA </a:t>
             </a:r>
             <a:r>
               <a:rPr lang="pt-BR" b="1" cap="none" dirty="0">
@@ -5415,6 +5437,13 @@
   <p:clrMapOvr>
     <a:masterClrMapping/>
   </p:clrMapOvr>
+  <p:timing>
+    <p:tnLst>
+      <p:par>
+        <p:cTn id="1" dur="indefinite" restart="never" nodeType="tmRoot"/>
+      </p:par>
+    </p:tnLst>
+  </p:timing>
 </p:sld>
 </file>
 
@@ -5549,6 +5578,13 @@
   <p:clrMapOvr>
     <a:masterClrMapping/>
   </p:clrMapOvr>
+  <p:timing>
+    <p:tnLst>
+      <p:par>
+        <p:cTn id="1" dur="indefinite" restart="never" nodeType="tmRoot"/>
+      </p:par>
+    </p:tnLst>
+  </p:timing>
 </p:sld>
 </file>
 
@@ -5686,6 +5722,13 @@
   <p:clrMapOvr>
     <a:masterClrMapping/>
   </p:clrMapOvr>
+  <p:timing>
+    <p:tnLst>
+      <p:par>
+        <p:cTn id="1" dur="indefinite" restart="never" nodeType="tmRoot"/>
+      </p:par>
+    </p:tnLst>
+  </p:timing>
 </p:sld>
 </file>
 
@@ -5785,6 +5828,13 @@
   <p:clrMapOvr>
     <a:masterClrMapping/>
   </p:clrMapOvr>
+  <p:timing>
+    <p:tnLst>
+      <p:par>
+        <p:cTn id="1" dur="indefinite" restart="never" nodeType="tmRoot"/>
+      </p:par>
+    </p:tnLst>
+  </p:timing>
 </p:sld>
 </file>
 
@@ -5922,6 +5972,13 @@
   <p:clrMapOvr>
     <a:masterClrMapping/>
   </p:clrMapOvr>
+  <p:timing>
+    <p:tnLst>
+      <p:par>
+        <p:cTn id="1" dur="indefinite" restart="never" nodeType="tmRoot"/>
+      </p:par>
+    </p:tnLst>
+  </p:timing>
 </p:sld>
 </file>
 
@@ -6018,6 +6075,13 @@
   <p:clrMapOvr>
     <a:masterClrMapping/>
   </p:clrMapOvr>
+  <p:timing>
+    <p:tnLst>
+      <p:par>
+        <p:cTn id="1" dur="indefinite" restart="never" nodeType="tmRoot"/>
+      </p:par>
+    </p:tnLst>
+  </p:timing>
 </p:sld>
 </file>
 
@@ -6171,6 +6235,13 @@
   <p:clrMapOvr>
     <a:masterClrMapping/>
   </p:clrMapOvr>
+  <p:timing>
+    <p:tnLst>
+      <p:par>
+        <p:cTn id="1" dur="indefinite" restart="never" nodeType="tmRoot"/>
+      </p:par>
+    </p:tnLst>
+  </p:timing>
 </p:sld>
 </file>
 
@@ -6255,7 +6326,27 @@
                 <a:latin typeface="Arial Black" panose="020B0A04020102090204" pitchFamily="34" charset="0"/>
                 <a:cs typeface="Aharoni" panose="02010803020104030203" pitchFamily="2" charset="-79"/>
               </a:rPr>
-              <a:t>que o senhor escolher</a:t>
+              <a:t>que o senhor </a:t>
+            </a:r>
+            <a:r>
+              <a:rPr lang="pt-BR" sz="8800" b="1" smtClean="0">
+                <a:solidFill>
+                  <a:schemeClr val="bg1"/>
+                </a:solidFill>
+                <a:latin typeface="Arial Black" panose="020B0A04020102090204" pitchFamily="34" charset="0"/>
+                <a:cs typeface="Aharoni" panose="02010803020104030203" pitchFamily="2" charset="-79"/>
+              </a:rPr>
+              <a:t>escolheU</a:t>
+            </a:r>
+            <a:r>
+              <a:rPr lang="pt-BR" sz="8800" b="1" dirty="0">
+                <a:solidFill>
+                  <a:schemeClr val="bg1"/>
+                </a:solidFill>
+                <a:latin typeface="Arial Black" panose="020B0A04020102090204" pitchFamily="34" charset="0"/>
+                <a:cs typeface="Aharoni" panose="02010803020104030203" pitchFamily="2" charset="-79"/>
+              </a:rPr>
+              <a:t/>
             </a:r>
             <a:br>
               <a:rPr lang="pt-BR" sz="8800" b="1" dirty="0">
@@ -6343,6 +6434,13 @@
   <p:clrMapOvr>
     <a:masterClrMapping/>
   </p:clrMapOvr>
+  <p:timing>
+    <p:tnLst>
+      <p:par>
+        <p:cTn id="1" dur="indefinite" restart="never" nodeType="tmRoot"/>
+      </p:par>
+    </p:tnLst>
+  </p:timing>
 </p:sld>
 </file>
 
